--- a/MasrterClass_JeanVelarde.pptx
+++ b/MasrterClass_JeanVelarde.pptx
@@ -356,7 +356,7 @@
               </a14:hiddenEffects>
             </a:ext>
             <a:ext uri="{FAA26D3D-D897-4be2-8F04-BA451C77F1D7}">
-              <ma14:placeholderFlag xmlns:ma14="http://schemas.microsoft.com/office/mac/drawingml/2011/main" xmlns="" val="1"/>
+              <ma14:placeholderFlag xmlns="" xmlns:ma14="http://schemas.microsoft.com/office/mac/drawingml/2011/main" val="1"/>
             </a:ext>
           </a:extLst>
         </p:spPr>
@@ -414,7 +414,7 @@
               </a14:hiddenEffects>
             </a:ext>
             <a:ext uri="{FAA26D3D-D897-4be2-8F04-BA451C77F1D7}">
-              <ma14:placeholderFlag xmlns:ma14="http://schemas.microsoft.com/office/mac/drawingml/2011/main" xmlns="" val="1"/>
+              <ma14:placeholderFlag xmlns="" xmlns:ma14="http://schemas.microsoft.com/office/mac/drawingml/2011/main" val="1"/>
             </a:ext>
           </a:extLst>
         </p:spPr>
@@ -484,7 +484,7 @@
               </a14:hiddenEffects>
             </a:ext>
             <a:ext uri="{FAA26D3D-D897-4be2-8F04-BA451C77F1D7}">
-              <ma14:placeholderFlag xmlns:ma14="http://schemas.microsoft.com/office/mac/drawingml/2011/main" xmlns="" val="1"/>
+              <ma14:placeholderFlag xmlns="" xmlns:ma14="http://schemas.microsoft.com/office/mac/drawingml/2011/main" val="1"/>
             </a:ext>
           </a:extLst>
         </p:spPr>
@@ -592,7 +592,7 @@
               </a14:hiddenEffects>
             </a:ext>
             <a:ext uri="{FAA26D3D-D897-4be2-8F04-BA451C77F1D7}">
-              <ma14:placeholderFlag xmlns:ma14="http://schemas.microsoft.com/office/mac/drawingml/2011/main" xmlns="" val="1"/>
+              <ma14:placeholderFlag xmlns="" xmlns:ma14="http://schemas.microsoft.com/office/mac/drawingml/2011/main" val="1"/>
             </a:ext>
           </a:extLst>
         </p:spPr>
@@ -700,7 +700,7 @@
               </a14:hiddenEffects>
             </a:ext>
             <a:ext uri="{FAA26D3D-D897-4be2-8F04-BA451C77F1D7}">
-              <ma14:placeholderFlag xmlns:ma14="http://schemas.microsoft.com/office/mac/drawingml/2011/main" xmlns="" val="1"/>
+              <ma14:placeholderFlag xmlns="" xmlns:ma14="http://schemas.microsoft.com/office/mac/drawingml/2011/main" val="1"/>
             </a:ext>
           </a:extLst>
         </p:spPr>
@@ -808,7 +808,7 @@
               </a14:hiddenEffects>
             </a:ext>
             <a:ext uri="{FAA26D3D-D897-4be2-8F04-BA451C77F1D7}">
-              <ma14:placeholderFlag xmlns:ma14="http://schemas.microsoft.com/office/mac/drawingml/2011/main" xmlns="" val="1"/>
+              <ma14:placeholderFlag xmlns="" xmlns:ma14="http://schemas.microsoft.com/office/mac/drawingml/2011/main" val="1"/>
             </a:ext>
           </a:extLst>
         </p:spPr>
@@ -4683,7 +4683,7 @@
               </a14:hiddenEffects>
             </a:ext>
             <a:ext uri="{FAA26D3D-D897-4be2-8F04-BA451C77F1D7}">
-              <ma14:placeholderFlag xmlns:ma14="http://schemas.microsoft.com/office/mac/drawingml/2011/main" xmlns="" val="1"/>
+              <ma14:placeholderFlag xmlns="" xmlns:ma14="http://schemas.microsoft.com/office/mac/drawingml/2011/main" val="1"/>
             </a:ext>
           </a:extLst>
         </p:spPr>
@@ -4756,7 +4756,7 @@
               </a14:hiddenEffects>
             </a:ext>
             <a:ext uri="{FAA26D3D-D897-4be2-8F04-BA451C77F1D7}">
-              <ma14:placeholderFlag xmlns:ma14="http://schemas.microsoft.com/office/mac/drawingml/2011/main" xmlns="" val="1"/>
+              <ma14:placeholderFlag xmlns="" xmlns:ma14="http://schemas.microsoft.com/office/mac/drawingml/2011/main" val="1"/>
             </a:ext>
           </a:extLst>
         </p:spPr>
@@ -4885,7 +4885,7 @@
               </a14:hiddenEffects>
             </a:ext>
             <a:ext uri="{FAA26D3D-D897-4be2-8F04-BA451C77F1D7}">
-              <ma14:placeholderFlag xmlns:ma14="http://schemas.microsoft.com/office/mac/drawingml/2011/main" xmlns="" val="1"/>
+              <ma14:placeholderFlag xmlns="" xmlns:ma14="http://schemas.microsoft.com/office/mac/drawingml/2011/main" val="1"/>
             </a:ext>
           </a:extLst>
         </p:spPr>
@@ -4993,7 +4993,7 @@
               </a14:hiddenEffects>
             </a:ext>
             <a:ext uri="{FAA26D3D-D897-4be2-8F04-BA451C77F1D7}">
-              <ma14:placeholderFlag xmlns:ma14="http://schemas.microsoft.com/office/mac/drawingml/2011/main" xmlns="" val="1"/>
+              <ma14:placeholderFlag xmlns="" xmlns:ma14="http://schemas.microsoft.com/office/mac/drawingml/2011/main" val="1"/>
             </a:ext>
           </a:extLst>
         </p:spPr>
@@ -5101,7 +5101,7 @@
               </a14:hiddenEffects>
             </a:ext>
             <a:ext uri="{FAA26D3D-D897-4be2-8F04-BA451C77F1D7}">
-              <ma14:placeholderFlag xmlns:ma14="http://schemas.microsoft.com/office/mac/drawingml/2011/main" xmlns="" val="1"/>
+              <ma14:placeholderFlag xmlns="" xmlns:ma14="http://schemas.microsoft.com/office/mac/drawingml/2011/main" val="1"/>
             </a:ext>
           </a:extLst>
         </p:spPr>
@@ -6354,7 +6354,17 @@
                 <a:latin typeface="Arial" pitchFamily="34" charset="0"/>
                 <a:cs typeface="Arial" pitchFamily="34" charset="0"/>
               </a:rPr>
-              <a:t>Al término de la sesión, el alumno, </a:t>
+              <a:t>Al término de la sesión, el </a:t>
+            </a:r>
+            <a:r>
+              <a:rPr lang="es-MX" dirty="0" smtClean="0">
+                <a:solidFill>
+                  <a:srgbClr val="004080"/>
+                </a:solidFill>
+                <a:latin typeface="Arial" pitchFamily="34" charset="0"/>
+                <a:cs typeface="Arial" pitchFamily="34" charset="0"/>
+              </a:rPr>
+              <a:t>alumno </a:t>
             </a:r>
             <a:r>
               <a:rPr lang="es-ES" dirty="0" smtClean="0">
@@ -10894,7 +10904,17 @@
                 <a:latin typeface="Brandon Grotesque Black"/>
                 <a:cs typeface="Arial" pitchFamily="34" charset="0"/>
               </a:rPr>
-              <a:t>Monto de trabajar</a:t>
+              <a:t>Momento </a:t>
+            </a:r>
+            <a:r>
+              <a:rPr lang="es-ES" sz="3600" b="1" dirty="0" smtClean="0">
+                <a:solidFill>
+                  <a:srgbClr val="004080"/>
+                </a:solidFill>
+                <a:latin typeface="Brandon Grotesque Black"/>
+                <a:cs typeface="Arial" pitchFamily="34" charset="0"/>
+              </a:rPr>
+              <a:t>de trabajar</a:t>
             </a:r>
             <a:endParaRPr lang="es-PE" sz="3600" b="1" dirty="0">
               <a:solidFill>
@@ -11157,7 +11177,27 @@
                 <a:latin typeface="Arial" pitchFamily="34" charset="0"/>
                 <a:cs typeface="Arial" pitchFamily="34" charset="0"/>
               </a:rPr>
-              <a:t>Es momento de desarrollar el juego “Iguala el Color” para entender mejor estos conceptos.</a:t>
+              <a:t>Es momento de desarrollar el juego “Iguala el </a:t>
+            </a:r>
+            <a:r>
+              <a:rPr lang="es-ES" dirty="0" smtClean="0">
+                <a:solidFill>
+                  <a:srgbClr val="004080"/>
+                </a:solidFill>
+                <a:latin typeface="Arial" pitchFamily="34" charset="0"/>
+                <a:cs typeface="Arial" pitchFamily="34" charset="0"/>
+              </a:rPr>
+              <a:t>color</a:t>
+            </a:r>
+            <a:r>
+              <a:rPr lang="es-ES" dirty="0" smtClean="0">
+                <a:solidFill>
+                  <a:srgbClr val="004080"/>
+                </a:solidFill>
+                <a:latin typeface="Arial" pitchFamily="34" charset="0"/>
+                <a:cs typeface="Arial" pitchFamily="34" charset="0"/>
+              </a:rPr>
+              <a:t>” para entender mejor estos conceptos.</a:t>
             </a:r>
             <a:endParaRPr lang="es-PE" dirty="0">
               <a:solidFill>
